--- a/Figures/ADescriptionForDatatypes.pptx
+++ b/Figures/ADescriptionForDatatypes.pptx
@@ -288,7 +288,7 @@
           <a:p>
             <a:fld id="{47B9A199-D001-9B4E-B758-14EC809AFE55}" type="datetimeFigureOut">
               <a:rPr lang="da-DK" smtClean="0"/>
-              <a:t>24/05/14</a:t>
+              <a:t>12/07/14</a:t>
             </a:fld>
             <a:endParaRPr lang="en-GB"/>
           </a:p>
@@ -458,7 +458,7 @@
           <a:p>
             <a:fld id="{47B9A199-D001-9B4E-B758-14EC809AFE55}" type="datetimeFigureOut">
               <a:rPr lang="da-DK" smtClean="0"/>
-              <a:t>24/05/14</a:t>
+              <a:t>12/07/14</a:t>
             </a:fld>
             <a:endParaRPr lang="en-GB"/>
           </a:p>
@@ -638,7 +638,7 @@
           <a:p>
             <a:fld id="{47B9A199-D001-9B4E-B758-14EC809AFE55}" type="datetimeFigureOut">
               <a:rPr lang="da-DK" smtClean="0"/>
-              <a:t>24/05/14</a:t>
+              <a:t>12/07/14</a:t>
             </a:fld>
             <a:endParaRPr lang="en-GB"/>
           </a:p>
@@ -808,7 +808,7 @@
           <a:p>
             <a:fld id="{47B9A199-D001-9B4E-B758-14EC809AFE55}" type="datetimeFigureOut">
               <a:rPr lang="da-DK" smtClean="0"/>
-              <a:t>24/05/14</a:t>
+              <a:t>12/07/14</a:t>
             </a:fld>
             <a:endParaRPr lang="en-GB"/>
           </a:p>
@@ -1054,7 +1054,7 @@
           <a:p>
             <a:fld id="{47B9A199-D001-9B4E-B758-14EC809AFE55}" type="datetimeFigureOut">
               <a:rPr lang="da-DK" smtClean="0"/>
-              <a:t>24/05/14</a:t>
+              <a:t>12/07/14</a:t>
             </a:fld>
             <a:endParaRPr lang="en-GB"/>
           </a:p>
@@ -1342,7 +1342,7 @@
           <a:p>
             <a:fld id="{47B9A199-D001-9B4E-B758-14EC809AFE55}" type="datetimeFigureOut">
               <a:rPr lang="da-DK" smtClean="0"/>
-              <a:t>24/05/14</a:t>
+              <a:t>12/07/14</a:t>
             </a:fld>
             <a:endParaRPr lang="en-GB"/>
           </a:p>
@@ -1764,7 +1764,7 @@
           <a:p>
             <a:fld id="{47B9A199-D001-9B4E-B758-14EC809AFE55}" type="datetimeFigureOut">
               <a:rPr lang="da-DK" smtClean="0"/>
-              <a:t>24/05/14</a:t>
+              <a:t>12/07/14</a:t>
             </a:fld>
             <a:endParaRPr lang="en-GB"/>
           </a:p>
@@ -1882,7 +1882,7 @@
           <a:p>
             <a:fld id="{47B9A199-D001-9B4E-B758-14EC809AFE55}" type="datetimeFigureOut">
               <a:rPr lang="da-DK" smtClean="0"/>
-              <a:t>24/05/14</a:t>
+              <a:t>12/07/14</a:t>
             </a:fld>
             <a:endParaRPr lang="en-GB"/>
           </a:p>
@@ -1977,7 +1977,7 @@
           <a:p>
             <a:fld id="{47B9A199-D001-9B4E-B758-14EC809AFE55}" type="datetimeFigureOut">
               <a:rPr lang="da-DK" smtClean="0"/>
-              <a:t>24/05/14</a:t>
+              <a:t>12/07/14</a:t>
             </a:fld>
             <a:endParaRPr lang="en-GB"/>
           </a:p>
@@ -2254,7 +2254,7 @@
           <a:p>
             <a:fld id="{47B9A199-D001-9B4E-B758-14EC809AFE55}" type="datetimeFigureOut">
               <a:rPr lang="da-DK" smtClean="0"/>
-              <a:t>24/05/14</a:t>
+              <a:t>12/07/14</a:t>
             </a:fld>
             <a:endParaRPr lang="en-GB"/>
           </a:p>
@@ -2507,7 +2507,7 @@
           <a:p>
             <a:fld id="{47B9A199-D001-9B4E-B758-14EC809AFE55}" type="datetimeFigureOut">
               <a:rPr lang="da-DK" smtClean="0"/>
-              <a:t>24/05/14</a:t>
+              <a:t>12/07/14</a:t>
             </a:fld>
             <a:endParaRPr lang="en-GB"/>
           </a:p>
@@ -2720,7 +2720,7 @@
           <a:p>
             <a:fld id="{47B9A199-D001-9B4E-B758-14EC809AFE55}" type="datetimeFigureOut">
               <a:rPr lang="da-DK" smtClean="0"/>
-              <a:t>24/05/14</a:t>
+              <a:t>12/07/14</a:t>
             </a:fld>
             <a:endParaRPr lang="en-GB"/>
           </a:p>
@@ -3104,7 +3104,7 @@
         <p:spPr>
           <a:xfrm>
             <a:off x="564820" y="2916793"/>
-            <a:ext cx="7878780" cy="1200329"/>
+            <a:ext cx="7044266" cy="1200329"/>
           </a:xfrm>
           <a:prstGeom prst="rect">
             <a:avLst/>
@@ -3172,14 +3172,14 @@
                 <a:latin typeface="Lucida Console"/>
                 <a:cs typeface="Lucida Console"/>
               </a:rPr>
-              <a:t>index</a:t>
+              <a:t>ix </a:t>
             </a:r>
             <a:r>
               <a:rPr lang="en-GB" dirty="0" smtClean="0">
                 <a:latin typeface="Lucida Console"/>
                 <a:cs typeface="Lucida Console"/>
               </a:rPr>
-              <a:t> : </a:t>
+              <a:t>: </a:t>
             </a:r>
             <a:r>
               <a:rPr lang="en-GB" dirty="0" smtClean="0">
@@ -3242,31 +3242,38 @@
               <a:t>Ret  </a:t>
             </a:r>
             <a:r>
-              <a:rPr lang="en-GB" smtClean="0">
+              <a:rPr lang="en-GB" dirty="0" smtClean="0">
                 <a:latin typeface="Lucida Console"/>
                 <a:cs typeface="Lucida Console"/>
               </a:rPr>
               <a:t>: </a:t>
             </a:r>
             <a:r>
-              <a:rPr lang="en-GB">
+              <a:rPr lang="en-GB" dirty="0">
                 <a:solidFill>
                   <a:srgbClr val="D99694"/>
                 </a:solidFill>
                 <a:latin typeface="Lucida Console"/>
                 <a:cs typeface="Lucida Console"/>
               </a:rPr>
-              <a:t>index</a:t>
-            </a:r>
-            <a:r>
-              <a:rPr lang="en-GB">
-                <a:latin typeface="Lucida Console"/>
-                <a:cs typeface="Lucida Console"/>
-              </a:rPr>
-              <a:t> -&gt; </a:t>
-            </a:r>
-            <a:r>
-              <a:rPr lang="en-GB" smtClean="0">
+              <a:t>ix </a:t>
+            </a:r>
+            <a:r>
+              <a:rPr lang="en-GB" dirty="0" smtClean="0">
+                <a:latin typeface="Lucida Console"/>
+                <a:cs typeface="Lucida Console"/>
+              </a:rPr>
+              <a:t>-</a:t>
+            </a:r>
+            <a:r>
+              <a:rPr lang="en-GB" dirty="0">
+                <a:latin typeface="Lucida Console"/>
+                <a:cs typeface="Lucida Console"/>
+              </a:rPr>
+              <a:t>&gt; </a:t>
+            </a:r>
+            <a:r>
+              <a:rPr lang="en-GB" dirty="0" err="1" smtClean="0">
                 <a:solidFill>
                   <a:srgbClr val="558ED5"/>
                 </a:solidFill>
@@ -3284,6 +3291,52 @@
                 <a:cs typeface="Lucida Console"/>
               </a:rPr>
               <a:t> </a:t>
+            </a:r>
+            <a:r>
+              <a:rPr lang="en-GB" dirty="0" smtClean="0">
+                <a:solidFill>
+                  <a:srgbClr val="D99694"/>
+                </a:solidFill>
+                <a:latin typeface="Lucida Console"/>
+                <a:cs typeface="Lucida Console"/>
+              </a:rPr>
+              <a:t>ix</a:t>
+            </a:r>
+            <a:endParaRPr lang="en-GB" dirty="0" smtClean="0">
+              <a:solidFill>
+                <a:schemeClr val="accent2">
+                  <a:lumMod val="60000"/>
+                  <a:lumOff val="40000"/>
+                </a:schemeClr>
+              </a:solidFill>
+              <a:latin typeface="Lucida Console"/>
+              <a:cs typeface="Lucida Console"/>
+            </a:endParaRPr>
+          </a:p>
+          <a:p>
+            <a:r>
+              <a:rPr lang="en-GB" dirty="0">
+                <a:latin typeface="Lucida Console"/>
+                <a:cs typeface="Lucida Console"/>
+              </a:rPr>
+              <a:t>	</a:t>
+            </a:r>
+            <a:r>
+              <a:rPr lang="en-GB" dirty="0" err="1" smtClean="0">
+                <a:solidFill>
+                  <a:schemeClr val="accent3"/>
+                </a:solidFill>
+                <a:latin typeface="Lucida Console"/>
+                <a:cs typeface="Lucida Console"/>
+              </a:rPr>
+              <a:t>Arg</a:t>
+            </a:r>
+            <a:r>
+              <a:rPr lang="en-GB" dirty="0" smtClean="0">
+                <a:latin typeface="Lucida Console"/>
+                <a:cs typeface="Lucida Console"/>
+              </a:rPr>
+              <a:t>  : (</a:t>
             </a:r>
             <a:r>
               <a:rPr lang="en-GB" dirty="0" smtClean="0">
@@ -3296,45 +3349,6 @@
                 <a:latin typeface="Lucida Console"/>
                 <a:cs typeface="Lucida Console"/>
               </a:rPr>
-              <a:t>index</a:t>
-            </a:r>
-          </a:p>
-          <a:p>
-            <a:r>
-              <a:rPr lang="en-GB" dirty="0">
-                <a:latin typeface="Lucida Console"/>
-                <a:cs typeface="Lucida Console"/>
-              </a:rPr>
-              <a:t>	</a:t>
-            </a:r>
-            <a:r>
-              <a:rPr lang="en-GB" dirty="0" err="1" smtClean="0">
-                <a:solidFill>
-                  <a:schemeClr val="accent3"/>
-                </a:solidFill>
-                <a:latin typeface="Lucida Console"/>
-                <a:cs typeface="Lucida Console"/>
-              </a:rPr>
-              <a:t>Arg</a:t>
-            </a:r>
-            <a:r>
-              <a:rPr lang="en-GB" dirty="0" smtClean="0">
-                <a:latin typeface="Lucida Console"/>
-                <a:cs typeface="Lucida Console"/>
-              </a:rPr>
-              <a:t>  : (</a:t>
-            </a:r>
-            <a:r>
-              <a:rPr lang="en-GB" dirty="0" smtClean="0">
-                <a:solidFill>
-                  <a:schemeClr val="accent2">
-                    <a:lumMod val="60000"/>
-                    <a:lumOff val="40000"/>
-                  </a:schemeClr>
-                </a:solidFill>
-                <a:latin typeface="Lucida Console"/>
-                <a:cs typeface="Lucida Console"/>
-              </a:rPr>
               <a:t>a</a:t>
             </a:r>
             <a:r>
@@ -3409,7 +3423,7 @@
                 <a:latin typeface="Lucida Console"/>
                 <a:cs typeface="Lucida Console"/>
               </a:rPr>
-              <a:t>index</a:t>
+              <a:t>ix</a:t>
             </a:r>
             <a:r>
               <a:rPr lang="en-GB" dirty="0" smtClean="0">
@@ -3446,7 +3460,7 @@
                 <a:latin typeface="Lucida Console"/>
                 <a:cs typeface="Lucida Console"/>
               </a:rPr>
-              <a:t>index</a:t>
+              <a:t>ix</a:t>
             </a:r>
             <a:endParaRPr lang="en-GB" dirty="0">
               <a:solidFill>
@@ -3492,14 +3506,21 @@
                 <a:latin typeface="Lucida Console"/>
                 <a:cs typeface="Lucida Console"/>
               </a:rPr>
-              <a:t>index</a:t>
+              <a:t>ix </a:t>
             </a:r>
             <a:r>
               <a:rPr lang="en-GB" dirty="0" smtClean="0">
                 <a:latin typeface="Lucida Console"/>
                 <a:cs typeface="Lucida Console"/>
               </a:rPr>
-              <a:t> -&gt; </a:t>
+              <a:t>-</a:t>
+            </a:r>
+            <a:r>
+              <a:rPr lang="en-GB" dirty="0" smtClean="0">
+                <a:latin typeface="Lucida Console"/>
+                <a:cs typeface="Lucida Console"/>
+              </a:rPr>
+              <a:t>&gt; </a:t>
             </a:r>
             <a:r>
               <a:rPr lang="en-GB" dirty="0" err="1" smtClean="0">
@@ -3529,14 +3550,21 @@
                 <a:latin typeface="Lucida Console"/>
                 <a:cs typeface="Lucida Console"/>
               </a:rPr>
-              <a:t>index</a:t>
+              <a:t>ix </a:t>
             </a:r>
             <a:r>
               <a:rPr lang="en-GB" dirty="0" smtClean="0">
                 <a:latin typeface="Lucida Console"/>
                 <a:cs typeface="Lucida Console"/>
               </a:rPr>
-              <a:t> -&gt; </a:t>
+              <a:t>-</a:t>
+            </a:r>
+            <a:r>
+              <a:rPr lang="en-GB" dirty="0" smtClean="0">
+                <a:latin typeface="Lucida Console"/>
+                <a:cs typeface="Lucida Console"/>
+              </a:rPr>
+              <a:t>&gt; </a:t>
             </a:r>
             <a:r>
               <a:rPr lang="en-GB" dirty="0" err="1" smtClean="0">
@@ -3559,15 +3587,22 @@
               <a:t> </a:t>
             </a:r>
             <a:r>
-              <a:rPr lang="en-GB" dirty="0" smtClean="0">
+              <a:rPr lang="en-GB" dirty="0">
                 <a:solidFill>
                   <a:srgbClr val="D99694"/>
                 </a:solidFill>
                 <a:latin typeface="Lucida Console"/>
                 <a:cs typeface="Lucida Console"/>
               </a:rPr>
-              <a:t>index</a:t>
-            </a:r>
+              <a:t>ix </a:t>
+            </a:r>
+            <a:endParaRPr lang="en-GB" dirty="0" smtClean="0">
+              <a:solidFill>
+                <a:srgbClr val="D99694"/>
+              </a:solidFill>
+              <a:latin typeface="Lucida Console"/>
+              <a:cs typeface="Lucida Console"/>
+            </a:endParaRPr>
           </a:p>
         </p:txBody>
       </p:sp>
